--- a/apertium-id-ms/paper/poster/poster.pptx
+++ b/apertium-id-ms/paper/poster/poster.pptx
@@ -289,7 +289,7 @@
             <a:fld id="{EEDC3EAC-66B4-4EA1-AAE6-775C9CA487D9}" type="datetimeFigureOut">
               <a:rPr lang="en-US" smtClean="0"/>
               <a:pPr/>
-              <a:t>11/21/2012</a:t>
+              <a:t>11/21/12</a:t>
             </a:fld>
             <a:endParaRPr lang="en-US"/>
           </a:p>
@@ -456,7 +456,7 @@
             <a:fld id="{EEDC3EAC-66B4-4EA1-AAE6-775C9CA487D9}" type="datetimeFigureOut">
               <a:rPr lang="en-US" smtClean="0"/>
               <a:pPr/>
-              <a:t>11/21/2012</a:t>
+              <a:t>11/21/12</a:t>
             </a:fld>
             <a:endParaRPr lang="en-US"/>
           </a:p>
@@ -633,7 +633,7 @@
             <a:fld id="{EEDC3EAC-66B4-4EA1-AAE6-775C9CA487D9}" type="datetimeFigureOut">
               <a:rPr lang="en-US" smtClean="0"/>
               <a:pPr/>
-              <a:t>11/21/2012</a:t>
+              <a:t>11/21/12</a:t>
             </a:fld>
             <a:endParaRPr lang="en-US"/>
           </a:p>
@@ -800,7 +800,7 @@
             <a:fld id="{EEDC3EAC-66B4-4EA1-AAE6-775C9CA487D9}" type="datetimeFigureOut">
               <a:rPr lang="en-US" smtClean="0"/>
               <a:pPr/>
-              <a:t>11/21/2012</a:t>
+              <a:t>11/21/12</a:t>
             </a:fld>
             <a:endParaRPr lang="en-US"/>
           </a:p>
@@ -1043,7 +1043,7 @@
             <a:fld id="{EEDC3EAC-66B4-4EA1-AAE6-775C9CA487D9}" type="datetimeFigureOut">
               <a:rPr lang="en-US" smtClean="0"/>
               <a:pPr/>
-              <a:t>11/21/2012</a:t>
+              <a:t>11/21/12</a:t>
             </a:fld>
             <a:endParaRPr lang="en-US"/>
           </a:p>
@@ -1328,7 +1328,7 @@
             <a:fld id="{EEDC3EAC-66B4-4EA1-AAE6-775C9CA487D9}" type="datetimeFigureOut">
               <a:rPr lang="en-US" smtClean="0"/>
               <a:pPr/>
-              <a:t>11/21/2012</a:t>
+              <a:t>11/21/12</a:t>
             </a:fld>
             <a:endParaRPr lang="en-US"/>
           </a:p>
@@ -1747,7 +1747,7 @@
             <a:fld id="{EEDC3EAC-66B4-4EA1-AAE6-775C9CA487D9}" type="datetimeFigureOut">
               <a:rPr lang="en-US" smtClean="0"/>
               <a:pPr/>
-              <a:t>11/21/2012</a:t>
+              <a:t>11/21/12</a:t>
             </a:fld>
             <a:endParaRPr lang="en-US"/>
           </a:p>
@@ -1862,7 +1862,7 @@
             <a:fld id="{EEDC3EAC-66B4-4EA1-AAE6-775C9CA487D9}" type="datetimeFigureOut">
               <a:rPr lang="en-US" smtClean="0"/>
               <a:pPr/>
-              <a:t>11/21/2012</a:t>
+              <a:t>11/21/12</a:t>
             </a:fld>
             <a:endParaRPr lang="en-US"/>
           </a:p>
@@ -1954,7 +1954,7 @@
             <a:fld id="{EEDC3EAC-66B4-4EA1-AAE6-775C9CA487D9}" type="datetimeFigureOut">
               <a:rPr lang="en-US" smtClean="0"/>
               <a:pPr/>
-              <a:t>11/21/2012</a:t>
+              <a:t>11/21/12</a:t>
             </a:fld>
             <a:endParaRPr lang="en-US"/>
           </a:p>
@@ -2228,7 +2228,7 @@
             <a:fld id="{EEDC3EAC-66B4-4EA1-AAE6-775C9CA487D9}" type="datetimeFigureOut">
               <a:rPr lang="en-US" smtClean="0"/>
               <a:pPr/>
-              <a:t>11/21/2012</a:t>
+              <a:t>11/21/12</a:t>
             </a:fld>
             <a:endParaRPr lang="en-US"/>
           </a:p>
@@ -2478,7 +2478,7 @@
             <a:fld id="{EEDC3EAC-66B4-4EA1-AAE6-775C9CA487D9}" type="datetimeFigureOut">
               <a:rPr lang="en-US" smtClean="0"/>
               <a:pPr/>
-              <a:t>11/21/2012</a:t>
+              <a:t>11/21/12</a:t>
             </a:fld>
             <a:endParaRPr lang="en-US"/>
           </a:p>
@@ -2688,7 +2688,7 @@
             <a:fld id="{EEDC3EAC-66B4-4EA1-AAE6-775C9CA487D9}" type="datetimeFigureOut">
               <a:rPr lang="en-US" smtClean="0"/>
               <a:pPr/>
-              <a:t>11/21/2012</a:t>
+              <a:t>11/21/12</a:t>
             </a:fld>
             <a:endParaRPr lang="en-US"/>
           </a:p>
@@ -3841,9 +3841,84 @@
         </p:xfrm>
         <a:graphic>
           <a:graphicData uri="http://schemas.openxmlformats.org/presentationml/2006/ole">
-            <p:oleObj spid="_x0000_s1027" name="Acrobat Document" r:id="rId4" imgW="3990806" imgH="885652" progId="AcroExch.Document.11">
-              <p:embed/>
-            </p:oleObj>
+            <mc:AlternateContent xmlns:mc="http://schemas.openxmlformats.org/markup-compatibility/2006">
+              <mc:Choice xmlns:v="urn:schemas-microsoft-com:vml" Requires="v">
+                <p:oleObj spid="_x0000_s1048" name="Acrobat Document" r:id="rId4" imgW="3990806" imgH="885652" progId="AcroExch.Document.11">
+                  <p:embed/>
+                </p:oleObj>
+              </mc:Choice>
+              <mc:Fallback>
+                <p:oleObj name="Acrobat Document" r:id="rId4" imgW="3990806" imgH="885652" progId="AcroExch.Document.11">
+                  <p:embed/>
+                  <p:pic>
+                    <p:nvPicPr>
+                      <p:cNvPr id="0" name="Picture 3"/>
+                      <p:cNvPicPr>
+                        <a:picLocks noChangeAspect="1" noChangeArrowheads="1"/>
+                      </p:cNvPicPr>
+                      <p:nvPr/>
+                    </p:nvPicPr>
+                    <p:blipFill>
+                      <a:blip r:embed="rId5">
+                        <a:extLst>
+                          <a:ext uri="{28A0092B-C50C-407E-A947-70E740481C1C}">
+                            <a14:useLocalDpi xmlns:a14="http://schemas.microsoft.com/office/drawing/2010/main" val="0"/>
+                          </a:ext>
+                        </a:extLst>
+                      </a:blip>
+                      <a:srcRect/>
+                      <a:stretch>
+                        <a:fillRect/>
+                      </a:stretch>
+                    </p:blipFill>
+                    <p:spPr bwMode="auto">
+                      <a:xfrm>
+                        <a:off x="16078200" y="8131395"/>
+                        <a:ext cx="12801600" cy="2841405"/>
+                      </a:xfrm>
+                      <a:prstGeom prst="rect">
+                        <a:avLst/>
+                      </a:prstGeom>
+                      <a:noFill/>
+                      <a:ln>
+                        <a:noFill/>
+                      </a:ln>
+                      <a:effectLst/>
+                      <a:extLst>
+                        <a:ext uri="{909E8E84-426E-40dd-AFC4-6F175D3DCCD1}">
+                          <a14:hiddenFill xmlns:a14="http://schemas.microsoft.com/office/drawing/2010/main">
+                            <a:solidFill>
+                              <a:schemeClr val="accent1"/>
+                            </a:solidFill>
+                          </a14:hiddenFill>
+                        </a:ext>
+                        <a:ext uri="{91240B29-F687-4f45-9708-019B960494DF}">
+                          <a14:hiddenLine xmlns:a14="http://schemas.microsoft.com/office/drawing/2010/main" w="9525">
+                            <a:solidFill>
+                              <a:schemeClr val="tx1"/>
+                            </a:solidFill>
+                            <a:miter lim="800000"/>
+                            <a:headEnd/>
+                            <a:tailEnd/>
+                          </a14:hiddenLine>
+                        </a:ext>
+                        <a:ext uri="{AF507438-7753-43e0-B8FC-AC1667EBCBE1}">
+                          <a14:hiddenEffects xmlns:a14="http://schemas.microsoft.com/office/drawing/2010/main">
+                            <a:effectLst>
+                              <a:outerShdw blurRad="63500" dist="38099" dir="2700000" algn="ctr" rotWithShape="0">
+                                <a:schemeClr val="bg2">
+                                  <a:alpha val="74998"/>
+                                </a:schemeClr>
+                              </a:outerShdw>
+                            </a:effectLst>
+                          </a14:hiddenEffects>
+                        </a:ext>
+                      </a:extLst>
+                    </p:spPr>
+                  </p:pic>
+                </p:oleObj>
+              </mc:Fallback>
+            </mc:AlternateContent>
           </a:graphicData>
         </a:graphic>
       </p:graphicFrame>
@@ -4087,14 +4162,63 @@
                 <a:latin typeface="Times New Roman" pitchFamily="18" charset="0"/>
                 <a:cs typeface="Times New Roman" pitchFamily="18" charset="0"/>
               </a:rPr>
-              <a:t>Yakobus dan Maria sedang berada di kebun. </a:t>
+              <a:t>Yakobus dan Maria sedang berada di </a:t>
+            </a:r>
+            <a:r>
+              <a:rPr lang="sv-SE" sz="4400" i="1" dirty="0" err="1" smtClean="0">
+                <a:latin typeface="Times New Roman" pitchFamily="18" charset="0"/>
+                <a:cs typeface="Times New Roman" pitchFamily="18" charset="0"/>
+              </a:rPr>
+              <a:t>kebun</a:t>
+            </a:r>
+            <a:r>
+              <a:rPr lang="sv-SE" sz="4400" i="1" dirty="0" smtClean="0">
+                <a:latin typeface="Times New Roman" pitchFamily="18" charset="0"/>
+                <a:cs typeface="Times New Roman" pitchFamily="18" charset="0"/>
+              </a:rPr>
+              <a:t> itu. </a:t>
             </a:r>
             <a:r>
               <a:rPr lang="sv-SE" sz="4400" dirty="0" smtClean="0">
                 <a:latin typeface="Times New Roman" pitchFamily="18" charset="0"/>
                 <a:cs typeface="Times New Roman" pitchFamily="18" charset="0"/>
               </a:rPr>
-              <a:t>(’James and Mary are in the garden.’)</a:t>
+              <a:t>(’James and Mary </a:t>
+            </a:r>
+            <a:r>
+              <a:rPr lang="sv-SE" sz="4400" dirty="0" err="1" smtClean="0">
+                <a:latin typeface="Times New Roman" pitchFamily="18" charset="0"/>
+                <a:cs typeface="Times New Roman" pitchFamily="18" charset="0"/>
+              </a:rPr>
+              <a:t>are</a:t>
+            </a:r>
+            <a:r>
+              <a:rPr lang="sv-SE" sz="4400" smtClean="0">
+                <a:latin typeface="Times New Roman" pitchFamily="18" charset="0"/>
+                <a:cs typeface="Times New Roman" pitchFamily="18" charset="0"/>
+              </a:rPr>
+              <a:t> </a:t>
+            </a:r>
+            <a:r>
+              <a:rPr lang="sv-SE" sz="4400" smtClean="0">
+                <a:latin typeface="Times New Roman" pitchFamily="18" charset="0"/>
+                <a:cs typeface="Times New Roman" pitchFamily="18" charset="0"/>
+              </a:rPr>
+              <a:t>in that</a:t>
+            </a:r>
+            <a:r>
+              <a:rPr lang="sv-SE" sz="4400" dirty="0" smtClean="0">
+                <a:latin typeface="Times New Roman" pitchFamily="18" charset="0"/>
+                <a:cs typeface="Times New Roman" pitchFamily="18" charset="0"/>
+              </a:rPr>
+              <a:t> </a:t>
+            </a:r>
+            <a:r>
+              <a:rPr lang="sv-SE" sz="4400" dirty="0" smtClean="0">
+                <a:latin typeface="Times New Roman" pitchFamily="18" charset="0"/>
+                <a:cs typeface="Times New Roman" pitchFamily="18" charset="0"/>
+              </a:rPr>
+              <a:t>garden.’)</a:t>
             </a:r>
             <a:endParaRPr lang="en-US" sz="4400" i="1" dirty="0" smtClean="0">
               <a:latin typeface="Times New Roman" pitchFamily="18" charset="0"/>
@@ -4111,8 +4235,8 @@
         </p:nvSpPr>
         <p:spPr>
           <a:xfrm>
-            <a:off x="17907000" y="17907000"/>
-            <a:ext cx="9829800" cy="5105400"/>
+            <a:off x="17297400" y="17907000"/>
+            <a:ext cx="11201400" cy="5632311"/>
           </a:xfrm>
           <a:prstGeom prst="rect">
             <a:avLst/>
@@ -4478,7 +4602,14 @@
                 <a:latin typeface="Courier New" pitchFamily="49" charset="0"/>
                 <a:cs typeface="Courier New" pitchFamily="49" charset="0"/>
               </a:rPr>
-              <a:t>&gt;$</a:t>
+              <a:t>&gt;</a:t>
+            </a:r>
+            <a:r>
+              <a:rPr lang="en-US" sz="4000" dirty="0" smtClean="0">
+                <a:latin typeface="Courier New" pitchFamily="49" charset="0"/>
+                <a:cs typeface="Courier New" pitchFamily="49" charset="0"/>
+              </a:rPr>
+              <a:t>$</a:t>
             </a:r>
           </a:p>
           <a:p>
@@ -4488,7 +4619,129 @@
                 <a:latin typeface="Courier New" pitchFamily="49" charset="0"/>
                 <a:cs typeface="Courier New" pitchFamily="49" charset="0"/>
               </a:rPr>
-              <a:t>^./.&lt;sent&gt;$</a:t>
+              <a:t>^</a:t>
+            </a:r>
+            <a:r>
+              <a:rPr lang="en-US" sz="4000" dirty="0" err="1" smtClean="0">
+                <a:latin typeface="Courier New" pitchFamily="49" charset="0"/>
+                <a:cs typeface="Courier New" pitchFamily="49" charset="0"/>
+              </a:rPr>
+              <a:t>itu</a:t>
+            </a:r>
+            <a:r>
+              <a:rPr lang="en-US" sz="4000" dirty="0">
+                <a:latin typeface="Courier New" pitchFamily="49" charset="0"/>
+                <a:cs typeface="Courier New" pitchFamily="49" charset="0"/>
+              </a:rPr>
+              <a:t>/</a:t>
+            </a:r>
+            <a:r>
+              <a:rPr lang="en-US" sz="4000" dirty="0" err="1">
+                <a:latin typeface="Courier New" pitchFamily="49" charset="0"/>
+                <a:cs typeface="Courier New" pitchFamily="49" charset="0"/>
+              </a:rPr>
+              <a:t>itu</a:t>
+            </a:r>
+            <a:r>
+              <a:rPr lang="en-US" sz="4000" dirty="0">
+                <a:latin typeface="Courier New" pitchFamily="49" charset="0"/>
+                <a:cs typeface="Courier New" pitchFamily="49" charset="0"/>
+              </a:rPr>
+              <a:t>&lt;</a:t>
+            </a:r>
+            <a:r>
+              <a:rPr lang="en-US" sz="4000" dirty="0" err="1">
+                <a:latin typeface="Courier New" pitchFamily="49" charset="0"/>
+                <a:cs typeface="Courier New" pitchFamily="49" charset="0"/>
+              </a:rPr>
+              <a:t>det</a:t>
+            </a:r>
+            <a:r>
+              <a:rPr lang="en-US" sz="4000" dirty="0">
+                <a:latin typeface="Courier New" pitchFamily="49" charset="0"/>
+                <a:cs typeface="Courier New" pitchFamily="49" charset="0"/>
+              </a:rPr>
+              <a:t>&gt;&lt;</a:t>
+            </a:r>
+            <a:r>
+              <a:rPr lang="en-US" sz="4000" dirty="0" err="1">
+                <a:latin typeface="Courier New" pitchFamily="49" charset="0"/>
+                <a:cs typeface="Courier New" pitchFamily="49" charset="0"/>
+              </a:rPr>
+              <a:t>dem</a:t>
+            </a:r>
+            <a:r>
+              <a:rPr lang="en-US" sz="4000" dirty="0">
+                <a:latin typeface="Courier New" pitchFamily="49" charset="0"/>
+                <a:cs typeface="Courier New" pitchFamily="49" charset="0"/>
+              </a:rPr>
+              <a:t>&gt;/</a:t>
+            </a:r>
+            <a:r>
+              <a:rPr lang="en-US" sz="4000" dirty="0" err="1">
+                <a:latin typeface="Courier New" pitchFamily="49" charset="0"/>
+                <a:cs typeface="Courier New" pitchFamily="49" charset="0"/>
+              </a:rPr>
+              <a:t>itu</a:t>
+            </a:r>
+            <a:r>
+              <a:rPr lang="en-US" sz="4000" dirty="0">
+                <a:latin typeface="Courier New" pitchFamily="49" charset="0"/>
+                <a:cs typeface="Courier New" pitchFamily="49" charset="0"/>
+              </a:rPr>
+              <a:t>&lt;</a:t>
+            </a:r>
+            <a:r>
+              <a:rPr lang="en-US" sz="4000" dirty="0" err="1">
+                <a:latin typeface="Courier New" pitchFamily="49" charset="0"/>
+                <a:cs typeface="Courier New" pitchFamily="49" charset="0"/>
+              </a:rPr>
+              <a:t>prn</a:t>
+            </a:r>
+            <a:r>
+              <a:rPr lang="en-US" sz="4000" dirty="0">
+                <a:latin typeface="Courier New" pitchFamily="49" charset="0"/>
+                <a:cs typeface="Courier New" pitchFamily="49" charset="0"/>
+              </a:rPr>
+              <a:t>&gt;&lt;</a:t>
+            </a:r>
+            <a:r>
+              <a:rPr lang="en-US" sz="4000" dirty="0" err="1">
+                <a:latin typeface="Courier New" pitchFamily="49" charset="0"/>
+                <a:cs typeface="Courier New" pitchFamily="49" charset="0"/>
+              </a:rPr>
+              <a:t>dem</a:t>
+            </a:r>
+            <a:r>
+              <a:rPr lang="en-US" sz="4000" dirty="0">
+                <a:latin typeface="Courier New" pitchFamily="49" charset="0"/>
+                <a:cs typeface="Courier New" pitchFamily="49" charset="0"/>
+              </a:rPr>
+              <a:t>&gt;</a:t>
+            </a:r>
+            <a:r>
+              <a:rPr lang="en-US" sz="4000" dirty="0" smtClean="0">
+                <a:latin typeface="Courier New" pitchFamily="49" charset="0"/>
+                <a:cs typeface="Courier New" pitchFamily="49" charset="0"/>
+              </a:rPr>
+              <a:t>$</a:t>
+            </a:r>
+          </a:p>
+          <a:p>
+            <a:pPr algn="just"/>
+            <a:r>
+              <a:rPr lang="en-US" sz="4000" dirty="0" smtClean="0">
+                <a:latin typeface="Courier New" pitchFamily="49" charset="0"/>
+                <a:cs typeface="Courier New" pitchFamily="49" charset="0"/>
+              </a:rPr>
+              <a:t>^</a:t>
+            </a:r>
+            <a:r>
+              <a:rPr lang="en-US" sz="4000" dirty="0" smtClean="0">
+                <a:latin typeface="Courier New" pitchFamily="49" charset="0"/>
+                <a:cs typeface="Courier New" pitchFamily="49" charset="0"/>
+              </a:rPr>
+              <a:t>./.&lt;sent&gt;$</a:t>
             </a:r>
           </a:p>
         </p:txBody>
@@ -4501,7 +4754,7 @@
         </p:nvSpPr>
         <p:spPr>
           <a:xfrm>
-            <a:off x="16002000" y="23088600"/>
+            <a:off x="16002000" y="23670161"/>
             <a:ext cx="12808642" cy="1323439"/>
           </a:xfrm>
           <a:prstGeom prst="rect">
@@ -4558,7 +4811,7 @@
         </p:nvSpPr>
         <p:spPr>
           <a:xfrm>
-            <a:off x="15468600" y="24868525"/>
+            <a:off x="15468600" y="25223450"/>
             <a:ext cx="13868400" cy="1446550"/>
           </a:xfrm>
           <a:prstGeom prst="rect">
@@ -4609,7 +4862,7 @@
         </p:nvSpPr>
         <p:spPr>
           <a:xfrm>
-            <a:off x="15544800" y="26661070"/>
+            <a:off x="15544800" y="27203400"/>
             <a:ext cx="13716000" cy="923330"/>
           </a:xfrm>
           <a:prstGeom prst="rect">
@@ -4642,7 +4895,7 @@
         </p:nvSpPr>
         <p:spPr>
           <a:xfrm>
-            <a:off x="15468600" y="27813000"/>
+            <a:off x="15468600" y="28449925"/>
             <a:ext cx="13868400" cy="3477875"/>
           </a:xfrm>
           <a:prstGeom prst="rect">
@@ -5485,7 +5738,7 @@
         </p:nvSpPr>
         <p:spPr>
           <a:xfrm>
-            <a:off x="30327600" y="22225337"/>
+            <a:off x="30327600" y="21920537"/>
             <a:ext cx="12573000" cy="1015663"/>
           </a:xfrm>
           <a:prstGeom prst="rect">
@@ -5518,7 +5771,7 @@
         </p:nvSpPr>
         <p:spPr>
           <a:xfrm>
-            <a:off x="31165800" y="23555742"/>
+            <a:off x="31165800" y="23164800"/>
             <a:ext cx="10668000" cy="2123658"/>
           </a:xfrm>
           <a:prstGeom prst="rect">
@@ -5594,7 +5847,7 @@
         </p:nvSpPr>
         <p:spPr>
           <a:xfrm>
-            <a:off x="30327600" y="26136600"/>
+            <a:off x="30327600" y="25578137"/>
             <a:ext cx="12573000" cy="1015663"/>
           </a:xfrm>
           <a:prstGeom prst="rect">
@@ -5627,8 +5880,8 @@
         </p:nvSpPr>
         <p:spPr>
           <a:xfrm>
-            <a:off x="30403800" y="27203400"/>
-            <a:ext cx="11734800" cy="1446550"/>
+            <a:off x="30403800" y="26756142"/>
+            <a:ext cx="11734800" cy="2123658"/>
           </a:xfrm>
           <a:prstGeom prst="rect">
             <a:avLst/>
@@ -5647,8 +5900,12 @@
                 <a:latin typeface="Times New Roman" pitchFamily="18" charset="0"/>
                 <a:cs typeface="Times New Roman" pitchFamily="18" charset="0"/>
               </a:rPr>
-              <a:t>Funded as part of the Google Summer of Code (GSOC) 2012 program.</a:t>
-            </a:r>
+              <a:t>This work was made during the Google Summer of Code 2012, a program for introducing students to free/open-source software development.</a:t>
+            </a:r>
+            <a:endParaRPr lang="en-US" sz="4400" dirty="0" smtClean="0">
+              <a:latin typeface="Times New Roman" pitchFamily="18" charset="0"/>
+              <a:cs typeface="Times New Roman" pitchFamily="18" charset="0"/>
+            </a:endParaRPr>
           </a:p>
         </p:txBody>
       </p:sp>
@@ -5658,17 +5915,98 @@
           <p:cNvGraphicFramePr>
             <a:graphicFrameLocks noChangeAspect="1"/>
           </p:cNvGraphicFramePr>
-          <p:nvPr/>
+          <p:nvPr>
+            <p:extLst>
+              <p:ext uri="{D42A27DB-BD31-4B8C-83A1-F6EECF244321}">
+                <p14:modId xmlns:p14="http://schemas.microsoft.com/office/powerpoint/2010/main" val="291857895"/>
+              </p:ext>
+            </p:extLst>
+          </p:nvPr>
         </p:nvGraphicFramePr>
         <p:xfrm>
-          <a:off x="37261800" y="29032200"/>
+          <a:off x="37414200" y="29400886"/>
           <a:ext cx="3581400" cy="2907914"/>
         </p:xfrm>
         <a:graphic>
           <a:graphicData uri="http://schemas.openxmlformats.org/presentationml/2006/ole">
-            <p:oleObj spid="_x0000_s1028" name="Acrobat Document" r:id="rId5" imgW="9724890" imgH="7896097" progId="AcroExch.Document.11">
-              <p:embed/>
-            </p:oleObj>
+            <mc:AlternateContent xmlns:mc="http://schemas.openxmlformats.org/markup-compatibility/2006">
+              <mc:Choice xmlns:v="urn:schemas-microsoft-com:vml" Requires="v">
+                <p:oleObj spid="_x0000_s1049" name="Acrobat Document" r:id="rId6" imgW="9724890" imgH="7896097" progId="AcroExch.Document.11">
+                  <p:embed/>
+                </p:oleObj>
+              </mc:Choice>
+              <mc:Fallback>
+                <p:oleObj name="Acrobat Document" r:id="rId6" imgW="9724890" imgH="7896097" progId="AcroExch.Document.11">
+                  <p:embed/>
+                  <p:pic>
+                    <p:nvPicPr>
+                      <p:cNvPr id="0" name="Picture 4"/>
+                      <p:cNvPicPr>
+                        <a:picLocks noChangeAspect="1" noChangeArrowheads="1"/>
+                      </p:cNvPicPr>
+                      <p:nvPr/>
+                    </p:nvPicPr>
+                    <p:blipFill>
+                      <a:blip r:embed="rId7">
+                        <a:extLst>
+                          <a:ext uri="{28A0092B-C50C-407E-A947-70E740481C1C}">
+                            <a14:useLocalDpi xmlns:a14="http://schemas.microsoft.com/office/drawing/2010/main" val="0"/>
+                          </a:ext>
+                        </a:extLst>
+                      </a:blip>
+                      <a:srcRect/>
+                      <a:stretch>
+                        <a:fillRect/>
+                      </a:stretch>
+                    </p:blipFill>
+                    <p:spPr bwMode="auto">
+                      <a:xfrm>
+                        <a:off x="37414200" y="29400886"/>
+                        <a:ext cx="3581400" cy="2907914"/>
+                      </a:xfrm>
+                      <a:prstGeom prst="rect">
+                        <a:avLst/>
+                      </a:prstGeom>
+                      <a:noFill/>
+                      <a:ln>
+                        <a:noFill/>
+                      </a:ln>
+                      <a:effectLst/>
+                      <a:extLst>
+                        <a:ext uri="{909E8E84-426E-40dd-AFC4-6F175D3DCCD1}">
+                          <a14:hiddenFill xmlns:a14="http://schemas.microsoft.com/office/drawing/2010/main">
+                            <a:solidFill>
+                              <a:schemeClr val="accent1"/>
+                            </a:solidFill>
+                          </a14:hiddenFill>
+                        </a:ext>
+                        <a:ext uri="{91240B29-F687-4f45-9708-019B960494DF}">
+                          <a14:hiddenLine xmlns:a14="http://schemas.microsoft.com/office/drawing/2010/main" w="9525">
+                            <a:solidFill>
+                              <a:schemeClr val="tx1"/>
+                            </a:solidFill>
+                            <a:miter lim="800000"/>
+                            <a:headEnd/>
+                            <a:tailEnd/>
+                          </a14:hiddenLine>
+                        </a:ext>
+                        <a:ext uri="{AF507438-7753-43e0-B8FC-AC1667EBCBE1}">
+                          <a14:hiddenEffects xmlns:a14="http://schemas.microsoft.com/office/drawing/2010/main">
+                            <a:effectLst>
+                              <a:outerShdw blurRad="63500" dist="38099" dir="2700000" algn="ctr" rotWithShape="0">
+                                <a:schemeClr val="bg2">
+                                  <a:alpha val="74998"/>
+                                </a:schemeClr>
+                              </a:outerShdw>
+                            </a:effectLst>
+                          </a14:hiddenEffects>
+                        </a:ext>
+                      </a:extLst>
+                    </p:spPr>
+                  </p:pic>
+                </p:oleObj>
+              </mc:Fallback>
+            </mc:AlternateContent>
           </a:graphicData>
         </a:graphic>
       </p:graphicFrame>
@@ -5681,7 +6019,7 @@
           <p:nvPr/>
         </p:nvPicPr>
         <p:blipFill>
-          <a:blip r:embed="rId6"/>
+          <a:blip r:embed="rId8"/>
           <a:srcRect/>
           <a:stretch>
             <a:fillRect/>
@@ -5689,7 +6027,7 @@
         </p:blipFill>
         <p:spPr bwMode="auto">
           <a:xfrm>
-            <a:off x="31699200" y="28956000"/>
+            <a:off x="31699200" y="29260799"/>
             <a:ext cx="4458140" cy="2971801"/>
           </a:xfrm>
           <a:prstGeom prst="rect">
